--- a/img/pin_out.pptx
+++ b/img/pin_out.pptx
@@ -5514,6 +5514,9 @@
           <a:prstGeom prst="rect">
             <a:avLst/>
           </a:prstGeom>
+          <a:solidFill>
+            <a:srgbClr val="C00000"/>
+          </a:solidFill>
           <a:ln>
             <a:noFill/>
           </a:ln>
@@ -5540,6 +5543,9 @@
           <a:p>
             <a:pPr algn="ctr"/>
             <a:endParaRPr lang="en-US">
+              <a:solidFill>
+                <a:srgbClr val="C00000"/>
+              </a:solidFill>
               <a:cs typeface="+mn-ea"/>
               <a:sym typeface="+mn-lt"/>
             </a:endParaRPr>
@@ -5600,10 +5606,10 @@
       </p:sp>
       <p:sp>
         <p:nvSpPr>
-          <p:cNvPr id="55" name="矩形 54">
-            <a:extLst>
-              <a:ext uri="{FF2B5EF4-FFF2-40B4-BE49-F238E27FC236}">
-                <a16:creationId xmlns:a16="http://schemas.microsoft.com/office/drawing/2014/main" id="{88975818-4554-419D-95AB-E3E19E434DCE}"/>
+          <p:cNvPr id="56" name="矩形 55">
+            <a:extLst>
+              <a:ext uri="{FF2B5EF4-FFF2-40B4-BE49-F238E27FC236}">
+                <a16:creationId xmlns:a16="http://schemas.microsoft.com/office/drawing/2014/main" id="{4EAC4FA8-1627-4DC3-B6C1-E4DF2FD4716B}"/>
               </a:ext>
             </a:extLst>
           </p:cNvPr>
@@ -5612,8 +5618,8 @@
         </p:nvSpPr>
         <p:spPr>
           <a:xfrm rot="5400000">
-            <a:off x="5207088" y="931400"/>
-            <a:ext cx="461663" cy="360239"/>
+            <a:off x="5554021" y="931399"/>
+            <a:ext cx="233877" cy="360239"/>
           </a:xfrm>
           <a:prstGeom prst="rect">
             <a:avLst/>
@@ -5652,10 +5658,10 @@
       </p:sp>
       <p:sp>
         <p:nvSpPr>
-          <p:cNvPr id="56" name="矩形 55">
-            <a:extLst>
-              <a:ext uri="{FF2B5EF4-FFF2-40B4-BE49-F238E27FC236}">
-                <a16:creationId xmlns:a16="http://schemas.microsoft.com/office/drawing/2014/main" id="{4EAC4FA8-1627-4DC3-B6C1-E4DF2FD4716B}"/>
+          <p:cNvPr id="58" name="矩形 57">
+            <a:extLst>
+              <a:ext uri="{FF2B5EF4-FFF2-40B4-BE49-F238E27FC236}">
+                <a16:creationId xmlns:a16="http://schemas.microsoft.com/office/drawing/2014/main" id="{B71D1944-60E9-437D-A6FC-778AC449DB7E}"/>
               </a:ext>
             </a:extLst>
           </p:cNvPr>
@@ -5664,8 +5670,8 @@
         </p:nvSpPr>
         <p:spPr>
           <a:xfrm rot="5400000">
-            <a:off x="5554021" y="931399"/>
-            <a:ext cx="233877" cy="360239"/>
+            <a:off x="5721086" y="1669335"/>
+            <a:ext cx="461664" cy="360239"/>
           </a:xfrm>
           <a:prstGeom prst="rect">
             <a:avLst/>
@@ -5704,10 +5710,10 @@
       </p:sp>
       <p:sp>
         <p:nvSpPr>
-          <p:cNvPr id="57" name="矩形 56">
-            <a:extLst>
-              <a:ext uri="{FF2B5EF4-FFF2-40B4-BE49-F238E27FC236}">
-                <a16:creationId xmlns:a16="http://schemas.microsoft.com/office/drawing/2014/main" id="{D8FEA0FB-ACED-4954-814F-9A4ED2E174C6}"/>
+          <p:cNvPr id="59" name="矩形 58">
+            <a:extLst>
+              <a:ext uri="{FF2B5EF4-FFF2-40B4-BE49-F238E27FC236}">
+                <a16:creationId xmlns:a16="http://schemas.microsoft.com/office/drawing/2014/main" id="{27C9B68E-1732-467D-B59C-5987C6FC1B25}"/>
               </a:ext>
             </a:extLst>
           </p:cNvPr>
@@ -5716,116 +5722,15 @@
         </p:nvSpPr>
         <p:spPr>
           <a:xfrm rot="5400000">
-            <a:off x="6235085" y="1669335"/>
+            <a:off x="5207087" y="1669335"/>
             <a:ext cx="461664" cy="360239"/>
           </a:xfrm>
           <a:prstGeom prst="rect">
             <a:avLst/>
           </a:prstGeom>
-          <a:ln>
-            <a:noFill/>
-          </a:ln>
-        </p:spPr>
-        <p:style>
-          <a:lnRef idx="2">
-            <a:schemeClr val="accent3">
-              <a:shade val="50000"/>
-            </a:schemeClr>
-          </a:lnRef>
-          <a:fillRef idx="1">
-            <a:schemeClr val="accent3"/>
-          </a:fillRef>
-          <a:effectRef idx="0">
-            <a:schemeClr val="accent3"/>
-          </a:effectRef>
-          <a:fontRef idx="minor">
-            <a:schemeClr val="lt1"/>
-          </a:fontRef>
-        </p:style>
-        <p:txBody>
-          <a:bodyPr rtlCol="0" anchor="ctr"/>
-          <a:lstStyle/>
-          <a:p>
-            <a:pPr algn="ctr"/>
-            <a:endParaRPr lang="en-US">
-              <a:cs typeface="+mn-ea"/>
-              <a:sym typeface="+mn-lt"/>
-            </a:endParaRPr>
-          </a:p>
-        </p:txBody>
-      </p:sp>
-      <p:sp>
-        <p:nvSpPr>
-          <p:cNvPr id="58" name="矩形 57">
-            <a:extLst>
-              <a:ext uri="{FF2B5EF4-FFF2-40B4-BE49-F238E27FC236}">
-                <a16:creationId xmlns:a16="http://schemas.microsoft.com/office/drawing/2014/main" id="{B71D1944-60E9-437D-A6FC-778AC449DB7E}"/>
-              </a:ext>
-            </a:extLst>
-          </p:cNvPr>
-          <p:cNvSpPr/>
-          <p:nvPr/>
-        </p:nvSpPr>
-        <p:spPr>
-          <a:xfrm rot="5400000">
-            <a:off x="5721086" y="1669335"/>
-            <a:ext cx="461664" cy="360239"/>
-          </a:xfrm>
-          <a:prstGeom prst="rect">
-            <a:avLst/>
-          </a:prstGeom>
-          <a:ln>
-            <a:noFill/>
-          </a:ln>
-        </p:spPr>
-        <p:style>
-          <a:lnRef idx="2">
-            <a:schemeClr val="accent3">
-              <a:shade val="50000"/>
-            </a:schemeClr>
-          </a:lnRef>
-          <a:fillRef idx="1">
-            <a:schemeClr val="accent3"/>
-          </a:fillRef>
-          <a:effectRef idx="0">
-            <a:schemeClr val="accent3"/>
-          </a:effectRef>
-          <a:fontRef idx="minor">
-            <a:schemeClr val="lt1"/>
-          </a:fontRef>
-        </p:style>
-        <p:txBody>
-          <a:bodyPr rtlCol="0" anchor="ctr"/>
-          <a:lstStyle/>
-          <a:p>
-            <a:pPr algn="ctr"/>
-            <a:endParaRPr lang="en-US">
-              <a:cs typeface="+mn-ea"/>
-              <a:sym typeface="+mn-lt"/>
-            </a:endParaRPr>
-          </a:p>
-        </p:txBody>
-      </p:sp>
-      <p:sp>
-        <p:nvSpPr>
-          <p:cNvPr id="59" name="矩形 58">
-            <a:extLst>
-              <a:ext uri="{FF2B5EF4-FFF2-40B4-BE49-F238E27FC236}">
-                <a16:creationId xmlns:a16="http://schemas.microsoft.com/office/drawing/2014/main" id="{27C9B68E-1732-467D-B59C-5987C6FC1B25}"/>
-              </a:ext>
-            </a:extLst>
-          </p:cNvPr>
-          <p:cNvSpPr/>
-          <p:nvPr/>
-        </p:nvSpPr>
-        <p:spPr>
-          <a:xfrm rot="5400000">
-            <a:off x="5207087" y="1669335"/>
-            <a:ext cx="461664" cy="360239"/>
-          </a:xfrm>
-          <a:prstGeom prst="rect">
-            <a:avLst/>
-          </a:prstGeom>
+          <a:solidFill>
+            <a:schemeClr val="tx1"/>
+          </a:solidFill>
           <a:ln>
             <a:noFill/>
           </a:ln>
@@ -6186,6 +6091,119 @@
               <a:solidFill>
                 <a:srgbClr val="A5A5A5"/>
               </a:solidFill>
+            </a:endParaRPr>
+          </a:p>
+        </p:txBody>
+      </p:sp>
+      <p:sp>
+        <p:nvSpPr>
+          <p:cNvPr id="57" name="矩形 56">
+            <a:extLst>
+              <a:ext uri="{FF2B5EF4-FFF2-40B4-BE49-F238E27FC236}">
+                <a16:creationId xmlns:a16="http://schemas.microsoft.com/office/drawing/2014/main" id="{D8FEA0FB-ACED-4954-814F-9A4ED2E174C6}"/>
+              </a:ext>
+            </a:extLst>
+          </p:cNvPr>
+          <p:cNvSpPr/>
+          <p:nvPr/>
+        </p:nvSpPr>
+        <p:spPr>
+          <a:xfrm rot="5400000">
+            <a:off x="6235085" y="1669335"/>
+            <a:ext cx="461664" cy="360239"/>
+          </a:xfrm>
+          <a:prstGeom prst="rect">
+            <a:avLst/>
+          </a:prstGeom>
+          <a:solidFill>
+            <a:srgbClr val="C00000"/>
+          </a:solidFill>
+          <a:ln>
+            <a:noFill/>
+          </a:ln>
+        </p:spPr>
+        <p:style>
+          <a:lnRef idx="2">
+            <a:schemeClr val="accent3">
+              <a:shade val="50000"/>
+            </a:schemeClr>
+          </a:lnRef>
+          <a:fillRef idx="1">
+            <a:schemeClr val="accent3"/>
+          </a:fillRef>
+          <a:effectRef idx="0">
+            <a:schemeClr val="accent3"/>
+          </a:effectRef>
+          <a:fontRef idx="minor">
+            <a:schemeClr val="lt1"/>
+          </a:fontRef>
+        </p:style>
+        <p:txBody>
+          <a:bodyPr rtlCol="0" anchor="ctr"/>
+          <a:lstStyle/>
+          <a:p>
+            <a:pPr algn="ctr"/>
+            <a:endParaRPr lang="en-US">
+              <a:solidFill>
+                <a:srgbClr val="C00000"/>
+              </a:solidFill>
+              <a:cs typeface="+mn-ea"/>
+              <a:sym typeface="+mn-lt"/>
+            </a:endParaRPr>
+          </a:p>
+        </p:txBody>
+      </p:sp>
+      <p:sp>
+        <p:nvSpPr>
+          <p:cNvPr id="55" name="矩形 54">
+            <a:extLst>
+              <a:ext uri="{FF2B5EF4-FFF2-40B4-BE49-F238E27FC236}">
+                <a16:creationId xmlns:a16="http://schemas.microsoft.com/office/drawing/2014/main" id="{88975818-4554-419D-95AB-E3E19E434DCE}"/>
+              </a:ext>
+            </a:extLst>
+          </p:cNvPr>
+          <p:cNvSpPr/>
+          <p:nvPr/>
+        </p:nvSpPr>
+        <p:spPr>
+          <a:xfrm rot="5400000">
+            <a:off x="5207088" y="931400"/>
+            <a:ext cx="461663" cy="360239"/>
+          </a:xfrm>
+          <a:prstGeom prst="rect">
+            <a:avLst/>
+          </a:prstGeom>
+          <a:solidFill>
+            <a:schemeClr val="tx1"/>
+          </a:solidFill>
+          <a:ln>
+            <a:noFill/>
+          </a:ln>
+        </p:spPr>
+        <p:style>
+          <a:lnRef idx="2">
+            <a:schemeClr val="accent3">
+              <a:shade val="50000"/>
+            </a:schemeClr>
+          </a:lnRef>
+          <a:fillRef idx="1">
+            <a:schemeClr val="accent3"/>
+          </a:fillRef>
+          <a:effectRef idx="0">
+            <a:schemeClr val="accent3"/>
+          </a:effectRef>
+          <a:fontRef idx="minor">
+            <a:schemeClr val="lt1"/>
+          </a:fontRef>
+        </p:style>
+        <p:txBody>
+          <a:bodyPr rtlCol="0" anchor="ctr"/>
+          <a:lstStyle/>
+          <a:p>
+            <a:pPr algn="ctr"/>
+            <a:endParaRPr lang="en-US">
+              <a:cs typeface="+mn-ea"/>
+              <a:sym typeface="+mn-lt"/>
             </a:endParaRPr>
           </a:p>
         </p:txBody>
